--- a/ppt 16-9/1429.万物结局近了.pptx
+++ b/ppt 16-9/1429.万物结局近了.pptx
@@ -5,7 +5,7 @@
     <p:sldMasterId id="2147483648" r:id="rId1"/>
   </p:sldMasterIdLst>
   <p:sldIdLst>
-    <p:sldId id="1000" r:id="rId2"/>
+    <p:sldId id="1001" r:id="rId2"/>
   </p:sldIdLst>
   <p:sldSz cx="12192000" cy="6858000"/>
   <p:notesSz cx="6858000" cy="9144000"/>
@@ -129,7 +129,7 @@
           <p:cNvPr id="2" name="标题 1">
             <a:extLst>
               <a:ext uri="{FF2B5EF4-FFF2-40B4-BE49-F238E27FC236}">
-                <a16:creationId xmlns:a16="http://schemas.microsoft.com/office/drawing/2014/main" id="{1A294753-6DD4-66E1-1950-20CC133BD01F}"/>
+                <a16:creationId xmlns:a16="http://schemas.microsoft.com/office/drawing/2014/main" id="{4C48E377-1562-5C6F-58EC-484DEA185DBD}"/>
               </a:ext>
             </a:extLst>
           </p:cNvPr>
@@ -166,7 +166,7 @@
           <p:cNvPr id="3" name="副标题 2">
             <a:extLst>
               <a:ext uri="{FF2B5EF4-FFF2-40B4-BE49-F238E27FC236}">
-                <a16:creationId xmlns:a16="http://schemas.microsoft.com/office/drawing/2014/main" id="{16DC6F43-833F-D0F8-1789-E700E3566D6A}"/>
+                <a16:creationId xmlns:a16="http://schemas.microsoft.com/office/drawing/2014/main" id="{6040FECC-630A-1C00-F1D3-8F5B69BC8469}"/>
               </a:ext>
             </a:extLst>
           </p:cNvPr>
@@ -236,7 +236,7 @@
           <p:cNvPr id="4" name="日期占位符 3">
             <a:extLst>
               <a:ext uri="{FF2B5EF4-FFF2-40B4-BE49-F238E27FC236}">
-                <a16:creationId xmlns:a16="http://schemas.microsoft.com/office/drawing/2014/main" id="{E1E9F6A1-9633-ED72-69A3-CEF4806417C1}"/>
+                <a16:creationId xmlns:a16="http://schemas.microsoft.com/office/drawing/2014/main" id="{B126A920-C6D3-96F5-8860-2919E5C8E41C}"/>
               </a:ext>
             </a:extLst>
           </p:cNvPr>
@@ -252,7 +252,7 @@
           <a:bodyPr/>
           <a:lstStyle/>
           <a:p>
-            <a:fld id="{45662148-9E83-4F39-90F3-584B1BB79227}" type="datetimeFigureOut">
+            <a:fld id="{A600E7C7-81E9-4A2B-BB93-51409A6FBE10}" type="datetimeFigureOut">
               <a:rPr lang="zh-CN" altLang="en-US" smtClean="0"/>
               <a:t>2024/3/10</a:t>
             </a:fld>
@@ -265,7 +265,7 @@
           <p:cNvPr id="5" name="页脚占位符 4">
             <a:extLst>
               <a:ext uri="{FF2B5EF4-FFF2-40B4-BE49-F238E27FC236}">
-                <a16:creationId xmlns:a16="http://schemas.microsoft.com/office/drawing/2014/main" id="{6B486212-A560-015C-1E0A-3B8C730AFA0E}"/>
+                <a16:creationId xmlns:a16="http://schemas.microsoft.com/office/drawing/2014/main" id="{4E883519-75F4-7276-E5A1-6C20DB337A88}"/>
               </a:ext>
             </a:extLst>
           </p:cNvPr>
@@ -290,7 +290,7 @@
           <p:cNvPr id="6" name="灯片编号占位符 5">
             <a:extLst>
               <a:ext uri="{FF2B5EF4-FFF2-40B4-BE49-F238E27FC236}">
-                <a16:creationId xmlns:a16="http://schemas.microsoft.com/office/drawing/2014/main" id="{93E3E798-42CB-7732-7261-9E4EA7BBB091}"/>
+                <a16:creationId xmlns:a16="http://schemas.microsoft.com/office/drawing/2014/main" id="{7259E992-C60B-87F1-023F-E250C2122028}"/>
               </a:ext>
             </a:extLst>
           </p:cNvPr>
@@ -306,7 +306,7 @@
           <a:bodyPr/>
           <a:lstStyle/>
           <a:p>
-            <a:fld id="{ECB53110-726F-43B8-9138-A5F153B6E7FC}" type="slidenum">
+            <a:fld id="{F441F50F-71D3-4356-ACD9-C5F65136A4E9}" type="slidenum">
               <a:rPr lang="zh-CN" altLang="en-US" smtClean="0"/>
               <a:t>‹#›</a:t>
             </a:fld>
@@ -317,7 +317,7 @@
     </p:spTree>
     <p:extLst>
       <p:ext uri="{BB962C8B-B14F-4D97-AF65-F5344CB8AC3E}">
-        <p14:creationId xmlns:p14="http://schemas.microsoft.com/office/powerpoint/2010/main" val="2359310398"/>
+        <p14:creationId xmlns:p14="http://schemas.microsoft.com/office/powerpoint/2010/main" val="352305223"/>
       </p:ext>
     </p:extLst>
   </p:cSld>
@@ -349,7 +349,7 @@
           <p:cNvPr id="2" name="标题 1">
             <a:extLst>
               <a:ext uri="{FF2B5EF4-FFF2-40B4-BE49-F238E27FC236}">
-                <a16:creationId xmlns:a16="http://schemas.microsoft.com/office/drawing/2014/main" id="{B591B583-50E6-2618-FE76-5955F6A05B3D}"/>
+                <a16:creationId xmlns:a16="http://schemas.microsoft.com/office/drawing/2014/main" id="{4329015E-31A0-C02D-FD2D-FABCDA30EEB9}"/>
               </a:ext>
             </a:extLst>
           </p:cNvPr>
@@ -377,7 +377,7 @@
           <p:cNvPr id="3" name="竖排文字占位符 2">
             <a:extLst>
               <a:ext uri="{FF2B5EF4-FFF2-40B4-BE49-F238E27FC236}">
-                <a16:creationId xmlns:a16="http://schemas.microsoft.com/office/drawing/2014/main" id="{516840C8-A21A-C952-D659-A85583D164AA}"/>
+                <a16:creationId xmlns:a16="http://schemas.microsoft.com/office/drawing/2014/main" id="{B1F68F46-DC20-5526-E305-62B771D79903}"/>
               </a:ext>
             </a:extLst>
           </p:cNvPr>
@@ -434,7 +434,7 @@
           <p:cNvPr id="4" name="日期占位符 3">
             <a:extLst>
               <a:ext uri="{FF2B5EF4-FFF2-40B4-BE49-F238E27FC236}">
-                <a16:creationId xmlns:a16="http://schemas.microsoft.com/office/drawing/2014/main" id="{83840523-9BF5-AA1A-7DC7-37696BE7B0CC}"/>
+                <a16:creationId xmlns:a16="http://schemas.microsoft.com/office/drawing/2014/main" id="{6340FACD-5DCA-721A-99AE-C119E521A7F5}"/>
               </a:ext>
             </a:extLst>
           </p:cNvPr>
@@ -450,7 +450,7 @@
           <a:bodyPr/>
           <a:lstStyle/>
           <a:p>
-            <a:fld id="{45662148-9E83-4F39-90F3-584B1BB79227}" type="datetimeFigureOut">
+            <a:fld id="{A600E7C7-81E9-4A2B-BB93-51409A6FBE10}" type="datetimeFigureOut">
               <a:rPr lang="zh-CN" altLang="en-US" smtClean="0"/>
               <a:t>2024/3/10</a:t>
             </a:fld>
@@ -463,7 +463,7 @@
           <p:cNvPr id="5" name="页脚占位符 4">
             <a:extLst>
               <a:ext uri="{FF2B5EF4-FFF2-40B4-BE49-F238E27FC236}">
-                <a16:creationId xmlns:a16="http://schemas.microsoft.com/office/drawing/2014/main" id="{026361E0-0EBF-391D-0523-372841E77769}"/>
+                <a16:creationId xmlns:a16="http://schemas.microsoft.com/office/drawing/2014/main" id="{6ADD0F38-6384-E6AB-85B7-ADD1769B1A3A}"/>
               </a:ext>
             </a:extLst>
           </p:cNvPr>
@@ -488,7 +488,7 @@
           <p:cNvPr id="6" name="灯片编号占位符 5">
             <a:extLst>
               <a:ext uri="{FF2B5EF4-FFF2-40B4-BE49-F238E27FC236}">
-                <a16:creationId xmlns:a16="http://schemas.microsoft.com/office/drawing/2014/main" id="{F9179012-3511-81FC-A570-D796E11FD6E9}"/>
+                <a16:creationId xmlns:a16="http://schemas.microsoft.com/office/drawing/2014/main" id="{E43A30FE-9729-820D-3B11-4906F5D9623F}"/>
               </a:ext>
             </a:extLst>
           </p:cNvPr>
@@ -504,7 +504,7 @@
           <a:bodyPr/>
           <a:lstStyle/>
           <a:p>
-            <a:fld id="{ECB53110-726F-43B8-9138-A5F153B6E7FC}" type="slidenum">
+            <a:fld id="{F441F50F-71D3-4356-ACD9-C5F65136A4E9}" type="slidenum">
               <a:rPr lang="zh-CN" altLang="en-US" smtClean="0"/>
               <a:t>‹#›</a:t>
             </a:fld>
@@ -515,7 +515,7 @@
     </p:spTree>
     <p:extLst>
       <p:ext uri="{BB962C8B-B14F-4D97-AF65-F5344CB8AC3E}">
-        <p14:creationId xmlns:p14="http://schemas.microsoft.com/office/powerpoint/2010/main" val="3378388812"/>
+        <p14:creationId xmlns:p14="http://schemas.microsoft.com/office/powerpoint/2010/main" val="714713223"/>
       </p:ext>
     </p:extLst>
   </p:cSld>
@@ -547,7 +547,7 @@
           <p:cNvPr id="2" name="竖排标题 1">
             <a:extLst>
               <a:ext uri="{FF2B5EF4-FFF2-40B4-BE49-F238E27FC236}">
-                <a16:creationId xmlns:a16="http://schemas.microsoft.com/office/drawing/2014/main" id="{5DCC73F9-4DB9-1C9D-D50F-6BB92CD1B4A0}"/>
+                <a16:creationId xmlns:a16="http://schemas.microsoft.com/office/drawing/2014/main" id="{F37B62F7-1129-3A54-E0D0-5DCCF5EE95BB}"/>
               </a:ext>
             </a:extLst>
           </p:cNvPr>
@@ -580,7 +580,7 @@
           <p:cNvPr id="3" name="竖排文字占位符 2">
             <a:extLst>
               <a:ext uri="{FF2B5EF4-FFF2-40B4-BE49-F238E27FC236}">
-                <a16:creationId xmlns:a16="http://schemas.microsoft.com/office/drawing/2014/main" id="{B5D3018F-EC9C-4804-8C55-DEDE23592B77}"/>
+                <a16:creationId xmlns:a16="http://schemas.microsoft.com/office/drawing/2014/main" id="{49834EA3-B32D-7D95-B161-D044794D6BF4}"/>
               </a:ext>
             </a:extLst>
           </p:cNvPr>
@@ -642,7 +642,7 @@
           <p:cNvPr id="4" name="日期占位符 3">
             <a:extLst>
               <a:ext uri="{FF2B5EF4-FFF2-40B4-BE49-F238E27FC236}">
-                <a16:creationId xmlns:a16="http://schemas.microsoft.com/office/drawing/2014/main" id="{2BC9E60B-DE7E-AE4E-32EF-AF386843AAFC}"/>
+                <a16:creationId xmlns:a16="http://schemas.microsoft.com/office/drawing/2014/main" id="{E4767331-6F13-09BD-0D74-BB436607C2DF}"/>
               </a:ext>
             </a:extLst>
           </p:cNvPr>
@@ -658,7 +658,7 @@
           <a:bodyPr/>
           <a:lstStyle/>
           <a:p>
-            <a:fld id="{45662148-9E83-4F39-90F3-584B1BB79227}" type="datetimeFigureOut">
+            <a:fld id="{A600E7C7-81E9-4A2B-BB93-51409A6FBE10}" type="datetimeFigureOut">
               <a:rPr lang="zh-CN" altLang="en-US" smtClean="0"/>
               <a:t>2024/3/10</a:t>
             </a:fld>
@@ -671,7 +671,7 @@
           <p:cNvPr id="5" name="页脚占位符 4">
             <a:extLst>
               <a:ext uri="{FF2B5EF4-FFF2-40B4-BE49-F238E27FC236}">
-                <a16:creationId xmlns:a16="http://schemas.microsoft.com/office/drawing/2014/main" id="{EE05178D-6630-41ED-E87A-8784178D16B7}"/>
+                <a16:creationId xmlns:a16="http://schemas.microsoft.com/office/drawing/2014/main" id="{1EBB35F9-BDFE-CF60-551A-8C918D4395A4}"/>
               </a:ext>
             </a:extLst>
           </p:cNvPr>
@@ -696,7 +696,7 @@
           <p:cNvPr id="6" name="灯片编号占位符 5">
             <a:extLst>
               <a:ext uri="{FF2B5EF4-FFF2-40B4-BE49-F238E27FC236}">
-                <a16:creationId xmlns:a16="http://schemas.microsoft.com/office/drawing/2014/main" id="{FB290B66-DEEF-6DEE-6891-5129706A1106}"/>
+                <a16:creationId xmlns:a16="http://schemas.microsoft.com/office/drawing/2014/main" id="{D83C6AA3-9729-851F-72FA-5D4E3FF33EFF}"/>
               </a:ext>
             </a:extLst>
           </p:cNvPr>
@@ -712,7 +712,7 @@
           <a:bodyPr/>
           <a:lstStyle/>
           <a:p>
-            <a:fld id="{ECB53110-726F-43B8-9138-A5F153B6E7FC}" type="slidenum">
+            <a:fld id="{F441F50F-71D3-4356-ACD9-C5F65136A4E9}" type="slidenum">
               <a:rPr lang="zh-CN" altLang="en-US" smtClean="0"/>
               <a:t>‹#›</a:t>
             </a:fld>
@@ -723,7 +723,7 @@
     </p:spTree>
     <p:extLst>
       <p:ext uri="{BB962C8B-B14F-4D97-AF65-F5344CB8AC3E}">
-        <p14:creationId xmlns:p14="http://schemas.microsoft.com/office/powerpoint/2010/main" val="2324374097"/>
+        <p14:creationId xmlns:p14="http://schemas.microsoft.com/office/powerpoint/2010/main" val="3485326676"/>
       </p:ext>
     </p:extLst>
   </p:cSld>
@@ -755,7 +755,7 @@
           <p:cNvPr id="2" name="标题 1">
             <a:extLst>
               <a:ext uri="{FF2B5EF4-FFF2-40B4-BE49-F238E27FC236}">
-                <a16:creationId xmlns:a16="http://schemas.microsoft.com/office/drawing/2014/main" id="{F17EFD08-4542-E434-8E61-44A52C9E84BC}"/>
+                <a16:creationId xmlns:a16="http://schemas.microsoft.com/office/drawing/2014/main" id="{758A8495-90EA-26FD-2228-64165A8EE30A}"/>
               </a:ext>
             </a:extLst>
           </p:cNvPr>
@@ -783,7 +783,7 @@
           <p:cNvPr id="3" name="内容占位符 2">
             <a:extLst>
               <a:ext uri="{FF2B5EF4-FFF2-40B4-BE49-F238E27FC236}">
-                <a16:creationId xmlns:a16="http://schemas.microsoft.com/office/drawing/2014/main" id="{593CDAC2-3898-5BC9-EF85-8584D87B6916}"/>
+                <a16:creationId xmlns:a16="http://schemas.microsoft.com/office/drawing/2014/main" id="{4CD21AE9-6AE8-765E-34BB-36040458E642}"/>
               </a:ext>
             </a:extLst>
           </p:cNvPr>
@@ -840,7 +840,7 @@
           <p:cNvPr id="4" name="日期占位符 3">
             <a:extLst>
               <a:ext uri="{FF2B5EF4-FFF2-40B4-BE49-F238E27FC236}">
-                <a16:creationId xmlns:a16="http://schemas.microsoft.com/office/drawing/2014/main" id="{66461442-3659-D589-B2F3-221591DEA065}"/>
+                <a16:creationId xmlns:a16="http://schemas.microsoft.com/office/drawing/2014/main" id="{0326B89F-C064-477B-6D39-4F503A90B35A}"/>
               </a:ext>
             </a:extLst>
           </p:cNvPr>
@@ -856,7 +856,7 @@
           <a:bodyPr/>
           <a:lstStyle/>
           <a:p>
-            <a:fld id="{45662148-9E83-4F39-90F3-584B1BB79227}" type="datetimeFigureOut">
+            <a:fld id="{A600E7C7-81E9-4A2B-BB93-51409A6FBE10}" type="datetimeFigureOut">
               <a:rPr lang="zh-CN" altLang="en-US" smtClean="0"/>
               <a:t>2024/3/10</a:t>
             </a:fld>
@@ -869,7 +869,7 @@
           <p:cNvPr id="5" name="页脚占位符 4">
             <a:extLst>
               <a:ext uri="{FF2B5EF4-FFF2-40B4-BE49-F238E27FC236}">
-                <a16:creationId xmlns:a16="http://schemas.microsoft.com/office/drawing/2014/main" id="{49D8BDD0-405A-4C5F-2EF9-0CE52844D08E}"/>
+                <a16:creationId xmlns:a16="http://schemas.microsoft.com/office/drawing/2014/main" id="{E7F9E071-B9EC-A5BF-8E1C-B5C323FD0364}"/>
               </a:ext>
             </a:extLst>
           </p:cNvPr>
@@ -894,7 +894,7 @@
           <p:cNvPr id="6" name="灯片编号占位符 5">
             <a:extLst>
               <a:ext uri="{FF2B5EF4-FFF2-40B4-BE49-F238E27FC236}">
-                <a16:creationId xmlns:a16="http://schemas.microsoft.com/office/drawing/2014/main" id="{EBE76C46-592F-B6B1-3114-111432A48EC9}"/>
+                <a16:creationId xmlns:a16="http://schemas.microsoft.com/office/drawing/2014/main" id="{CAB70FBF-3559-0DB2-F35C-39BB3F57DECB}"/>
               </a:ext>
             </a:extLst>
           </p:cNvPr>
@@ -910,7 +910,7 @@
           <a:bodyPr/>
           <a:lstStyle/>
           <a:p>
-            <a:fld id="{ECB53110-726F-43B8-9138-A5F153B6E7FC}" type="slidenum">
+            <a:fld id="{F441F50F-71D3-4356-ACD9-C5F65136A4E9}" type="slidenum">
               <a:rPr lang="zh-CN" altLang="en-US" smtClean="0"/>
               <a:t>‹#›</a:t>
             </a:fld>
@@ -921,7 +921,7 @@
     </p:spTree>
     <p:extLst>
       <p:ext uri="{BB962C8B-B14F-4D97-AF65-F5344CB8AC3E}">
-        <p14:creationId xmlns:p14="http://schemas.microsoft.com/office/powerpoint/2010/main" val="3802459673"/>
+        <p14:creationId xmlns:p14="http://schemas.microsoft.com/office/powerpoint/2010/main" val="1051227233"/>
       </p:ext>
     </p:extLst>
   </p:cSld>
@@ -953,7 +953,7 @@
           <p:cNvPr id="2" name="标题 1">
             <a:extLst>
               <a:ext uri="{FF2B5EF4-FFF2-40B4-BE49-F238E27FC236}">
-                <a16:creationId xmlns:a16="http://schemas.microsoft.com/office/drawing/2014/main" id="{91D80F09-D1C0-A37A-7290-254C7BF2D59C}"/>
+                <a16:creationId xmlns:a16="http://schemas.microsoft.com/office/drawing/2014/main" id="{8B50CF7B-CA8B-25F9-0B54-CD0F39698AAF}"/>
               </a:ext>
             </a:extLst>
           </p:cNvPr>
@@ -990,7 +990,7 @@
           <p:cNvPr id="3" name="文本占位符 2">
             <a:extLst>
               <a:ext uri="{FF2B5EF4-FFF2-40B4-BE49-F238E27FC236}">
-                <a16:creationId xmlns:a16="http://schemas.microsoft.com/office/drawing/2014/main" id="{89B8C6F0-1240-5D9D-A366-A8CD3949942F}"/>
+                <a16:creationId xmlns:a16="http://schemas.microsoft.com/office/drawing/2014/main" id="{D3754877-9E3F-FB41-DB7C-7E0FE395DBE5}"/>
               </a:ext>
             </a:extLst>
           </p:cNvPr>
@@ -1115,7 +1115,7 @@
           <p:cNvPr id="4" name="日期占位符 3">
             <a:extLst>
               <a:ext uri="{FF2B5EF4-FFF2-40B4-BE49-F238E27FC236}">
-                <a16:creationId xmlns:a16="http://schemas.microsoft.com/office/drawing/2014/main" id="{95EA3BE2-1FBC-5F24-5BCF-D14009569B49}"/>
+                <a16:creationId xmlns:a16="http://schemas.microsoft.com/office/drawing/2014/main" id="{28262685-9D78-9E04-A36E-1C4B754F45B6}"/>
               </a:ext>
             </a:extLst>
           </p:cNvPr>
@@ -1131,7 +1131,7 @@
           <a:bodyPr/>
           <a:lstStyle/>
           <a:p>
-            <a:fld id="{45662148-9E83-4F39-90F3-584B1BB79227}" type="datetimeFigureOut">
+            <a:fld id="{A600E7C7-81E9-4A2B-BB93-51409A6FBE10}" type="datetimeFigureOut">
               <a:rPr lang="zh-CN" altLang="en-US" smtClean="0"/>
               <a:t>2024/3/10</a:t>
             </a:fld>
@@ -1144,7 +1144,7 @@
           <p:cNvPr id="5" name="页脚占位符 4">
             <a:extLst>
               <a:ext uri="{FF2B5EF4-FFF2-40B4-BE49-F238E27FC236}">
-                <a16:creationId xmlns:a16="http://schemas.microsoft.com/office/drawing/2014/main" id="{13549910-4729-BE56-2497-FC96E001780C}"/>
+                <a16:creationId xmlns:a16="http://schemas.microsoft.com/office/drawing/2014/main" id="{EA5BE11A-39D3-B916-4017-7409301CA062}"/>
               </a:ext>
             </a:extLst>
           </p:cNvPr>
@@ -1169,7 +1169,7 @@
           <p:cNvPr id="6" name="灯片编号占位符 5">
             <a:extLst>
               <a:ext uri="{FF2B5EF4-FFF2-40B4-BE49-F238E27FC236}">
-                <a16:creationId xmlns:a16="http://schemas.microsoft.com/office/drawing/2014/main" id="{7B5E6418-C482-9501-A171-DAAA953D92F4}"/>
+                <a16:creationId xmlns:a16="http://schemas.microsoft.com/office/drawing/2014/main" id="{9B063AA2-6131-3144-AA6B-6128CBAB9A49}"/>
               </a:ext>
             </a:extLst>
           </p:cNvPr>
@@ -1185,7 +1185,7 @@
           <a:bodyPr/>
           <a:lstStyle/>
           <a:p>
-            <a:fld id="{ECB53110-726F-43B8-9138-A5F153B6E7FC}" type="slidenum">
+            <a:fld id="{F441F50F-71D3-4356-ACD9-C5F65136A4E9}" type="slidenum">
               <a:rPr lang="zh-CN" altLang="en-US" smtClean="0"/>
               <a:t>‹#›</a:t>
             </a:fld>
@@ -1196,7 +1196,7 @@
     </p:spTree>
     <p:extLst>
       <p:ext uri="{BB962C8B-B14F-4D97-AF65-F5344CB8AC3E}">
-        <p14:creationId xmlns:p14="http://schemas.microsoft.com/office/powerpoint/2010/main" val="1490186158"/>
+        <p14:creationId xmlns:p14="http://schemas.microsoft.com/office/powerpoint/2010/main" val="1093602457"/>
       </p:ext>
     </p:extLst>
   </p:cSld>
@@ -1228,7 +1228,7 @@
           <p:cNvPr id="2" name="标题 1">
             <a:extLst>
               <a:ext uri="{FF2B5EF4-FFF2-40B4-BE49-F238E27FC236}">
-                <a16:creationId xmlns:a16="http://schemas.microsoft.com/office/drawing/2014/main" id="{65B994EA-FBBD-497C-F739-23E1CC6AECAB}"/>
+                <a16:creationId xmlns:a16="http://schemas.microsoft.com/office/drawing/2014/main" id="{AA0322F6-E697-57A7-811A-99C48E7038EE}"/>
               </a:ext>
             </a:extLst>
           </p:cNvPr>
@@ -1256,7 +1256,7 @@
           <p:cNvPr id="3" name="内容占位符 2">
             <a:extLst>
               <a:ext uri="{FF2B5EF4-FFF2-40B4-BE49-F238E27FC236}">
-                <a16:creationId xmlns:a16="http://schemas.microsoft.com/office/drawing/2014/main" id="{8DDBB62B-176C-BE73-D012-FFAFEE193924}"/>
+                <a16:creationId xmlns:a16="http://schemas.microsoft.com/office/drawing/2014/main" id="{27E403EF-56EB-D622-6026-77D23E4FD445}"/>
               </a:ext>
             </a:extLst>
           </p:cNvPr>
@@ -1318,7 +1318,7 @@
           <p:cNvPr id="4" name="内容占位符 3">
             <a:extLst>
               <a:ext uri="{FF2B5EF4-FFF2-40B4-BE49-F238E27FC236}">
-                <a16:creationId xmlns:a16="http://schemas.microsoft.com/office/drawing/2014/main" id="{B4BBA8C9-52E8-27AE-9717-BA527CBF574F}"/>
+                <a16:creationId xmlns:a16="http://schemas.microsoft.com/office/drawing/2014/main" id="{052DB5ED-B038-D4CE-B475-51062097CFC0}"/>
               </a:ext>
             </a:extLst>
           </p:cNvPr>
@@ -1380,7 +1380,7 @@
           <p:cNvPr id="5" name="日期占位符 4">
             <a:extLst>
               <a:ext uri="{FF2B5EF4-FFF2-40B4-BE49-F238E27FC236}">
-                <a16:creationId xmlns:a16="http://schemas.microsoft.com/office/drawing/2014/main" id="{9B6FF9D8-8287-DECE-404B-43DEEF1BAD97}"/>
+                <a16:creationId xmlns:a16="http://schemas.microsoft.com/office/drawing/2014/main" id="{D411F4C5-E513-9247-07A7-1D98B18B3ED1}"/>
               </a:ext>
             </a:extLst>
           </p:cNvPr>
@@ -1396,7 +1396,7 @@
           <a:bodyPr/>
           <a:lstStyle/>
           <a:p>
-            <a:fld id="{45662148-9E83-4F39-90F3-584B1BB79227}" type="datetimeFigureOut">
+            <a:fld id="{A600E7C7-81E9-4A2B-BB93-51409A6FBE10}" type="datetimeFigureOut">
               <a:rPr lang="zh-CN" altLang="en-US" smtClean="0"/>
               <a:t>2024/3/10</a:t>
             </a:fld>
@@ -1409,7 +1409,7 @@
           <p:cNvPr id="6" name="页脚占位符 5">
             <a:extLst>
               <a:ext uri="{FF2B5EF4-FFF2-40B4-BE49-F238E27FC236}">
-                <a16:creationId xmlns:a16="http://schemas.microsoft.com/office/drawing/2014/main" id="{27DF29DB-EA22-912A-DC06-B8AE7F1ECDF6}"/>
+                <a16:creationId xmlns:a16="http://schemas.microsoft.com/office/drawing/2014/main" id="{59B11AE2-AF75-4013-56A2-3A81118A779A}"/>
               </a:ext>
             </a:extLst>
           </p:cNvPr>
@@ -1434,7 +1434,7 @@
           <p:cNvPr id="7" name="灯片编号占位符 6">
             <a:extLst>
               <a:ext uri="{FF2B5EF4-FFF2-40B4-BE49-F238E27FC236}">
-                <a16:creationId xmlns:a16="http://schemas.microsoft.com/office/drawing/2014/main" id="{232D8F17-29E8-73BD-BD1A-B65327785145}"/>
+                <a16:creationId xmlns:a16="http://schemas.microsoft.com/office/drawing/2014/main" id="{2D4BC347-3946-F42C-A33B-56D4D15B0ABF}"/>
               </a:ext>
             </a:extLst>
           </p:cNvPr>
@@ -1450,7 +1450,7 @@
           <a:bodyPr/>
           <a:lstStyle/>
           <a:p>
-            <a:fld id="{ECB53110-726F-43B8-9138-A5F153B6E7FC}" type="slidenum">
+            <a:fld id="{F441F50F-71D3-4356-ACD9-C5F65136A4E9}" type="slidenum">
               <a:rPr lang="zh-CN" altLang="en-US" smtClean="0"/>
               <a:t>‹#›</a:t>
             </a:fld>
@@ -1461,7 +1461,7 @@
     </p:spTree>
     <p:extLst>
       <p:ext uri="{BB962C8B-B14F-4D97-AF65-F5344CB8AC3E}">
-        <p14:creationId xmlns:p14="http://schemas.microsoft.com/office/powerpoint/2010/main" val="1176618911"/>
+        <p14:creationId xmlns:p14="http://schemas.microsoft.com/office/powerpoint/2010/main" val="3163582940"/>
       </p:ext>
     </p:extLst>
   </p:cSld>
@@ -1493,7 +1493,7 @@
           <p:cNvPr id="2" name="标题 1">
             <a:extLst>
               <a:ext uri="{FF2B5EF4-FFF2-40B4-BE49-F238E27FC236}">
-                <a16:creationId xmlns:a16="http://schemas.microsoft.com/office/drawing/2014/main" id="{6D8DDCA1-7320-6241-33B5-798DAE811C34}"/>
+                <a16:creationId xmlns:a16="http://schemas.microsoft.com/office/drawing/2014/main" id="{EB5A7414-F870-1A34-F6C7-4CFB02A1FE07}"/>
               </a:ext>
             </a:extLst>
           </p:cNvPr>
@@ -1526,7 +1526,7 @@
           <p:cNvPr id="3" name="文本占位符 2">
             <a:extLst>
               <a:ext uri="{FF2B5EF4-FFF2-40B4-BE49-F238E27FC236}">
-                <a16:creationId xmlns:a16="http://schemas.microsoft.com/office/drawing/2014/main" id="{80BD88A2-A6B2-BD54-706D-6E9DA561CC0C}"/>
+                <a16:creationId xmlns:a16="http://schemas.microsoft.com/office/drawing/2014/main" id="{04DFF37A-A697-CB3A-B136-558DB279A5C0}"/>
               </a:ext>
             </a:extLst>
           </p:cNvPr>
@@ -1597,7 +1597,7 @@
           <p:cNvPr id="4" name="内容占位符 3">
             <a:extLst>
               <a:ext uri="{FF2B5EF4-FFF2-40B4-BE49-F238E27FC236}">
-                <a16:creationId xmlns:a16="http://schemas.microsoft.com/office/drawing/2014/main" id="{35B6EDBB-7187-DF87-26FE-2B5D298AF8B7}"/>
+                <a16:creationId xmlns:a16="http://schemas.microsoft.com/office/drawing/2014/main" id="{AEACEEF1-2A15-CC74-7D95-BE6F95676A2D}"/>
               </a:ext>
             </a:extLst>
           </p:cNvPr>
@@ -1659,7 +1659,7 @@
           <p:cNvPr id="5" name="文本占位符 4">
             <a:extLst>
               <a:ext uri="{FF2B5EF4-FFF2-40B4-BE49-F238E27FC236}">
-                <a16:creationId xmlns:a16="http://schemas.microsoft.com/office/drawing/2014/main" id="{3046449B-6519-66D5-66A4-9027FE1D7629}"/>
+                <a16:creationId xmlns:a16="http://schemas.microsoft.com/office/drawing/2014/main" id="{5788A0E2-E925-4DA4-B65C-B52D1BF323EE}"/>
               </a:ext>
             </a:extLst>
           </p:cNvPr>
@@ -1730,7 +1730,7 @@
           <p:cNvPr id="6" name="内容占位符 5">
             <a:extLst>
               <a:ext uri="{FF2B5EF4-FFF2-40B4-BE49-F238E27FC236}">
-                <a16:creationId xmlns:a16="http://schemas.microsoft.com/office/drawing/2014/main" id="{AFBE72F4-477C-4231-75E9-9CAD9679F30E}"/>
+                <a16:creationId xmlns:a16="http://schemas.microsoft.com/office/drawing/2014/main" id="{542B95EB-E704-97BA-3998-A66EBB4BF46F}"/>
               </a:ext>
             </a:extLst>
           </p:cNvPr>
@@ -1792,7 +1792,7 @@
           <p:cNvPr id="7" name="日期占位符 6">
             <a:extLst>
               <a:ext uri="{FF2B5EF4-FFF2-40B4-BE49-F238E27FC236}">
-                <a16:creationId xmlns:a16="http://schemas.microsoft.com/office/drawing/2014/main" id="{7C190D39-C73C-D6E0-C45A-2CE363D5302C}"/>
+                <a16:creationId xmlns:a16="http://schemas.microsoft.com/office/drawing/2014/main" id="{39F5ACC8-1E15-A1BB-1FCB-D9DA241E6D6E}"/>
               </a:ext>
             </a:extLst>
           </p:cNvPr>
@@ -1808,7 +1808,7 @@
           <a:bodyPr/>
           <a:lstStyle/>
           <a:p>
-            <a:fld id="{45662148-9E83-4F39-90F3-584B1BB79227}" type="datetimeFigureOut">
+            <a:fld id="{A600E7C7-81E9-4A2B-BB93-51409A6FBE10}" type="datetimeFigureOut">
               <a:rPr lang="zh-CN" altLang="en-US" smtClean="0"/>
               <a:t>2024/3/10</a:t>
             </a:fld>
@@ -1821,7 +1821,7 @@
           <p:cNvPr id="8" name="页脚占位符 7">
             <a:extLst>
               <a:ext uri="{FF2B5EF4-FFF2-40B4-BE49-F238E27FC236}">
-                <a16:creationId xmlns:a16="http://schemas.microsoft.com/office/drawing/2014/main" id="{AC12272E-06F0-3142-2840-381F73A003D9}"/>
+                <a16:creationId xmlns:a16="http://schemas.microsoft.com/office/drawing/2014/main" id="{43576A63-1083-7ADA-8D19-D73895FABB46}"/>
               </a:ext>
             </a:extLst>
           </p:cNvPr>
@@ -1846,7 +1846,7 @@
           <p:cNvPr id="9" name="灯片编号占位符 8">
             <a:extLst>
               <a:ext uri="{FF2B5EF4-FFF2-40B4-BE49-F238E27FC236}">
-                <a16:creationId xmlns:a16="http://schemas.microsoft.com/office/drawing/2014/main" id="{8B1C2CBB-49A1-46FF-CC2A-060C1CB8E307}"/>
+                <a16:creationId xmlns:a16="http://schemas.microsoft.com/office/drawing/2014/main" id="{06E67D89-825D-0E5B-5C7E-6C8EA843E92C}"/>
               </a:ext>
             </a:extLst>
           </p:cNvPr>
@@ -1862,7 +1862,7 @@
           <a:bodyPr/>
           <a:lstStyle/>
           <a:p>
-            <a:fld id="{ECB53110-726F-43B8-9138-A5F153B6E7FC}" type="slidenum">
+            <a:fld id="{F441F50F-71D3-4356-ACD9-C5F65136A4E9}" type="slidenum">
               <a:rPr lang="zh-CN" altLang="en-US" smtClean="0"/>
               <a:t>‹#›</a:t>
             </a:fld>
@@ -1873,7 +1873,7 @@
     </p:spTree>
     <p:extLst>
       <p:ext uri="{BB962C8B-B14F-4D97-AF65-F5344CB8AC3E}">
-        <p14:creationId xmlns:p14="http://schemas.microsoft.com/office/powerpoint/2010/main" val="3722447198"/>
+        <p14:creationId xmlns:p14="http://schemas.microsoft.com/office/powerpoint/2010/main" val="539994719"/>
       </p:ext>
     </p:extLst>
   </p:cSld>
@@ -1905,7 +1905,7 @@
           <p:cNvPr id="2" name="标题 1">
             <a:extLst>
               <a:ext uri="{FF2B5EF4-FFF2-40B4-BE49-F238E27FC236}">
-                <a16:creationId xmlns:a16="http://schemas.microsoft.com/office/drawing/2014/main" id="{B6D0A972-E438-777B-9494-647835DA2B4A}"/>
+                <a16:creationId xmlns:a16="http://schemas.microsoft.com/office/drawing/2014/main" id="{1ABAF233-A4D9-DDF4-09B9-637DDAB267AA}"/>
               </a:ext>
             </a:extLst>
           </p:cNvPr>
@@ -1933,7 +1933,7 @@
           <p:cNvPr id="3" name="日期占位符 2">
             <a:extLst>
               <a:ext uri="{FF2B5EF4-FFF2-40B4-BE49-F238E27FC236}">
-                <a16:creationId xmlns:a16="http://schemas.microsoft.com/office/drawing/2014/main" id="{947A7956-3312-97DF-C7A9-170D7250F7DC}"/>
+                <a16:creationId xmlns:a16="http://schemas.microsoft.com/office/drawing/2014/main" id="{7731F803-45F8-1806-8D34-6AB17048A666}"/>
               </a:ext>
             </a:extLst>
           </p:cNvPr>
@@ -1949,7 +1949,7 @@
           <a:bodyPr/>
           <a:lstStyle/>
           <a:p>
-            <a:fld id="{45662148-9E83-4F39-90F3-584B1BB79227}" type="datetimeFigureOut">
+            <a:fld id="{A600E7C7-81E9-4A2B-BB93-51409A6FBE10}" type="datetimeFigureOut">
               <a:rPr lang="zh-CN" altLang="en-US" smtClean="0"/>
               <a:t>2024/3/10</a:t>
             </a:fld>
@@ -1962,7 +1962,7 @@
           <p:cNvPr id="4" name="页脚占位符 3">
             <a:extLst>
               <a:ext uri="{FF2B5EF4-FFF2-40B4-BE49-F238E27FC236}">
-                <a16:creationId xmlns:a16="http://schemas.microsoft.com/office/drawing/2014/main" id="{EF07FD2B-841B-B778-CEB3-A01C6B456FF3}"/>
+                <a16:creationId xmlns:a16="http://schemas.microsoft.com/office/drawing/2014/main" id="{80946439-727F-CA96-03B2-0A96F98B8C67}"/>
               </a:ext>
             </a:extLst>
           </p:cNvPr>
@@ -1987,7 +1987,7 @@
           <p:cNvPr id="5" name="灯片编号占位符 4">
             <a:extLst>
               <a:ext uri="{FF2B5EF4-FFF2-40B4-BE49-F238E27FC236}">
-                <a16:creationId xmlns:a16="http://schemas.microsoft.com/office/drawing/2014/main" id="{DC2BC8C8-6819-C7CF-C0ED-FA610527F1A7}"/>
+                <a16:creationId xmlns:a16="http://schemas.microsoft.com/office/drawing/2014/main" id="{B5ED3692-18AB-7355-5BE2-BE32D15528F0}"/>
               </a:ext>
             </a:extLst>
           </p:cNvPr>
@@ -2003,7 +2003,7 @@
           <a:bodyPr/>
           <a:lstStyle/>
           <a:p>
-            <a:fld id="{ECB53110-726F-43B8-9138-A5F153B6E7FC}" type="slidenum">
+            <a:fld id="{F441F50F-71D3-4356-ACD9-C5F65136A4E9}" type="slidenum">
               <a:rPr lang="zh-CN" altLang="en-US" smtClean="0"/>
               <a:t>‹#›</a:t>
             </a:fld>
@@ -2014,7 +2014,7 @@
     </p:spTree>
     <p:extLst>
       <p:ext uri="{BB962C8B-B14F-4D97-AF65-F5344CB8AC3E}">
-        <p14:creationId xmlns:p14="http://schemas.microsoft.com/office/powerpoint/2010/main" val="459263509"/>
+        <p14:creationId xmlns:p14="http://schemas.microsoft.com/office/powerpoint/2010/main" val="345420127"/>
       </p:ext>
     </p:extLst>
   </p:cSld>
@@ -2046,7 +2046,7 @@
           <p:cNvPr id="2" name="日期占位符 1">
             <a:extLst>
               <a:ext uri="{FF2B5EF4-FFF2-40B4-BE49-F238E27FC236}">
-                <a16:creationId xmlns:a16="http://schemas.microsoft.com/office/drawing/2014/main" id="{DC5A7963-D670-670A-DBF5-45B5D3C40946}"/>
+                <a16:creationId xmlns:a16="http://schemas.microsoft.com/office/drawing/2014/main" id="{BFA4C8E8-5B55-F664-B6E9-854AE10409E0}"/>
               </a:ext>
             </a:extLst>
           </p:cNvPr>
@@ -2062,7 +2062,7 @@
           <a:bodyPr/>
           <a:lstStyle/>
           <a:p>
-            <a:fld id="{45662148-9E83-4F39-90F3-584B1BB79227}" type="datetimeFigureOut">
+            <a:fld id="{A600E7C7-81E9-4A2B-BB93-51409A6FBE10}" type="datetimeFigureOut">
               <a:rPr lang="zh-CN" altLang="en-US" smtClean="0"/>
               <a:t>2024/3/10</a:t>
             </a:fld>
@@ -2075,7 +2075,7 @@
           <p:cNvPr id="3" name="页脚占位符 2">
             <a:extLst>
               <a:ext uri="{FF2B5EF4-FFF2-40B4-BE49-F238E27FC236}">
-                <a16:creationId xmlns:a16="http://schemas.microsoft.com/office/drawing/2014/main" id="{570384E6-74EC-BD94-A326-456AD69AB7F2}"/>
+                <a16:creationId xmlns:a16="http://schemas.microsoft.com/office/drawing/2014/main" id="{E3B91E0D-A652-1B92-5E28-7476FB3FAB4F}"/>
               </a:ext>
             </a:extLst>
           </p:cNvPr>
@@ -2100,7 +2100,7 @@
           <p:cNvPr id="4" name="灯片编号占位符 3">
             <a:extLst>
               <a:ext uri="{FF2B5EF4-FFF2-40B4-BE49-F238E27FC236}">
-                <a16:creationId xmlns:a16="http://schemas.microsoft.com/office/drawing/2014/main" id="{F92AF02D-93F9-1821-C7EA-941BD54F8CAC}"/>
+                <a16:creationId xmlns:a16="http://schemas.microsoft.com/office/drawing/2014/main" id="{F8AF9A39-0E8C-26E5-28CB-A4E20B3DD760}"/>
               </a:ext>
             </a:extLst>
           </p:cNvPr>
@@ -2116,7 +2116,7 @@
           <a:bodyPr/>
           <a:lstStyle/>
           <a:p>
-            <a:fld id="{ECB53110-726F-43B8-9138-A5F153B6E7FC}" type="slidenum">
+            <a:fld id="{F441F50F-71D3-4356-ACD9-C5F65136A4E9}" type="slidenum">
               <a:rPr lang="zh-CN" altLang="en-US" smtClean="0"/>
               <a:t>‹#›</a:t>
             </a:fld>
@@ -2127,7 +2127,7 @@
     </p:spTree>
     <p:extLst>
       <p:ext uri="{BB962C8B-B14F-4D97-AF65-F5344CB8AC3E}">
-        <p14:creationId xmlns:p14="http://schemas.microsoft.com/office/powerpoint/2010/main" val="1737248440"/>
+        <p14:creationId xmlns:p14="http://schemas.microsoft.com/office/powerpoint/2010/main" val="1259412515"/>
       </p:ext>
     </p:extLst>
   </p:cSld>
@@ -2159,7 +2159,7 @@
           <p:cNvPr id="2" name="标题 1">
             <a:extLst>
               <a:ext uri="{FF2B5EF4-FFF2-40B4-BE49-F238E27FC236}">
-                <a16:creationId xmlns:a16="http://schemas.microsoft.com/office/drawing/2014/main" id="{B946B838-1D38-3BD9-F1A0-EE8CB1F771D4}"/>
+                <a16:creationId xmlns:a16="http://schemas.microsoft.com/office/drawing/2014/main" id="{68E1D0C1-BC39-FC91-5968-F979AAD6C4EA}"/>
               </a:ext>
             </a:extLst>
           </p:cNvPr>
@@ -2196,7 +2196,7 @@
           <p:cNvPr id="3" name="内容占位符 2">
             <a:extLst>
               <a:ext uri="{FF2B5EF4-FFF2-40B4-BE49-F238E27FC236}">
-                <a16:creationId xmlns:a16="http://schemas.microsoft.com/office/drawing/2014/main" id="{AA184732-DE65-508A-B69B-75A2446F9FD1}"/>
+                <a16:creationId xmlns:a16="http://schemas.microsoft.com/office/drawing/2014/main" id="{02B31F83-7753-CBBC-F1C4-258D7A0926E4}"/>
               </a:ext>
             </a:extLst>
           </p:cNvPr>
@@ -2286,7 +2286,7 @@
           <p:cNvPr id="4" name="文本占位符 3">
             <a:extLst>
               <a:ext uri="{FF2B5EF4-FFF2-40B4-BE49-F238E27FC236}">
-                <a16:creationId xmlns:a16="http://schemas.microsoft.com/office/drawing/2014/main" id="{92425CF3-D7A2-0FAF-7D2D-80DA1560D266}"/>
+                <a16:creationId xmlns:a16="http://schemas.microsoft.com/office/drawing/2014/main" id="{D4257A8F-106F-A1FF-D552-8DA78238B7DA}"/>
               </a:ext>
             </a:extLst>
           </p:cNvPr>
@@ -2357,7 +2357,7 @@
           <p:cNvPr id="5" name="日期占位符 4">
             <a:extLst>
               <a:ext uri="{FF2B5EF4-FFF2-40B4-BE49-F238E27FC236}">
-                <a16:creationId xmlns:a16="http://schemas.microsoft.com/office/drawing/2014/main" id="{04E6196A-C49E-3DFA-BBEE-CCC989F1A533}"/>
+                <a16:creationId xmlns:a16="http://schemas.microsoft.com/office/drawing/2014/main" id="{3870EB11-DDA6-A1CB-4D46-D7FCAC3359C3}"/>
               </a:ext>
             </a:extLst>
           </p:cNvPr>
@@ -2373,7 +2373,7 @@
           <a:bodyPr/>
           <a:lstStyle/>
           <a:p>
-            <a:fld id="{45662148-9E83-4F39-90F3-584B1BB79227}" type="datetimeFigureOut">
+            <a:fld id="{A600E7C7-81E9-4A2B-BB93-51409A6FBE10}" type="datetimeFigureOut">
               <a:rPr lang="zh-CN" altLang="en-US" smtClean="0"/>
               <a:t>2024/3/10</a:t>
             </a:fld>
@@ -2386,7 +2386,7 @@
           <p:cNvPr id="6" name="页脚占位符 5">
             <a:extLst>
               <a:ext uri="{FF2B5EF4-FFF2-40B4-BE49-F238E27FC236}">
-                <a16:creationId xmlns:a16="http://schemas.microsoft.com/office/drawing/2014/main" id="{75C52330-7D29-88A8-AA28-01AD6DC00D2E}"/>
+                <a16:creationId xmlns:a16="http://schemas.microsoft.com/office/drawing/2014/main" id="{907938ED-CF3A-0EAA-A67D-1387053963CE}"/>
               </a:ext>
             </a:extLst>
           </p:cNvPr>
@@ -2411,7 +2411,7 @@
           <p:cNvPr id="7" name="灯片编号占位符 6">
             <a:extLst>
               <a:ext uri="{FF2B5EF4-FFF2-40B4-BE49-F238E27FC236}">
-                <a16:creationId xmlns:a16="http://schemas.microsoft.com/office/drawing/2014/main" id="{03D4D90E-FF2C-8AF4-9AD9-5B25BF65AC1B}"/>
+                <a16:creationId xmlns:a16="http://schemas.microsoft.com/office/drawing/2014/main" id="{5FCE72D3-F8D9-ADF1-F55E-901351C71315}"/>
               </a:ext>
             </a:extLst>
           </p:cNvPr>
@@ -2427,7 +2427,7 @@
           <a:bodyPr/>
           <a:lstStyle/>
           <a:p>
-            <a:fld id="{ECB53110-726F-43B8-9138-A5F153B6E7FC}" type="slidenum">
+            <a:fld id="{F441F50F-71D3-4356-ACD9-C5F65136A4E9}" type="slidenum">
               <a:rPr lang="zh-CN" altLang="en-US" smtClean="0"/>
               <a:t>‹#›</a:t>
             </a:fld>
@@ -2438,7 +2438,7 @@
     </p:spTree>
     <p:extLst>
       <p:ext uri="{BB962C8B-B14F-4D97-AF65-F5344CB8AC3E}">
-        <p14:creationId xmlns:p14="http://schemas.microsoft.com/office/powerpoint/2010/main" val="2476952339"/>
+        <p14:creationId xmlns:p14="http://schemas.microsoft.com/office/powerpoint/2010/main" val="3929084799"/>
       </p:ext>
     </p:extLst>
   </p:cSld>
@@ -2470,7 +2470,7 @@
           <p:cNvPr id="2" name="标题 1">
             <a:extLst>
               <a:ext uri="{FF2B5EF4-FFF2-40B4-BE49-F238E27FC236}">
-                <a16:creationId xmlns:a16="http://schemas.microsoft.com/office/drawing/2014/main" id="{773F5964-7A2C-AFF7-D768-2BFE4E7787E0}"/>
+                <a16:creationId xmlns:a16="http://schemas.microsoft.com/office/drawing/2014/main" id="{6A34C804-81F9-E231-0BAD-389552458D00}"/>
               </a:ext>
             </a:extLst>
           </p:cNvPr>
@@ -2507,7 +2507,7 @@
           <p:cNvPr id="3" name="图片占位符 2">
             <a:extLst>
               <a:ext uri="{FF2B5EF4-FFF2-40B4-BE49-F238E27FC236}">
-                <a16:creationId xmlns:a16="http://schemas.microsoft.com/office/drawing/2014/main" id="{4ACD0EFF-C640-062F-A761-6946C9CE7BAE}"/>
+                <a16:creationId xmlns:a16="http://schemas.microsoft.com/office/drawing/2014/main" id="{D69B5A55-ED4C-1819-61BA-A480E54E0843}"/>
               </a:ext>
             </a:extLst>
           </p:cNvPr>
@@ -2574,7 +2574,7 @@
           <p:cNvPr id="4" name="文本占位符 3">
             <a:extLst>
               <a:ext uri="{FF2B5EF4-FFF2-40B4-BE49-F238E27FC236}">
-                <a16:creationId xmlns:a16="http://schemas.microsoft.com/office/drawing/2014/main" id="{EFB22192-5720-9D4F-E531-31BF7F06D528}"/>
+                <a16:creationId xmlns:a16="http://schemas.microsoft.com/office/drawing/2014/main" id="{520598B7-26EA-1D1F-E042-A47C9E5ECC9D}"/>
               </a:ext>
             </a:extLst>
           </p:cNvPr>
@@ -2645,7 +2645,7 @@
           <p:cNvPr id="5" name="日期占位符 4">
             <a:extLst>
               <a:ext uri="{FF2B5EF4-FFF2-40B4-BE49-F238E27FC236}">
-                <a16:creationId xmlns:a16="http://schemas.microsoft.com/office/drawing/2014/main" id="{E033315A-396B-6FE8-0529-44DFA9CDF46B}"/>
+                <a16:creationId xmlns:a16="http://schemas.microsoft.com/office/drawing/2014/main" id="{E2ED984C-BD19-FBAE-D81C-EA38E0414899}"/>
               </a:ext>
             </a:extLst>
           </p:cNvPr>
@@ -2661,7 +2661,7 @@
           <a:bodyPr/>
           <a:lstStyle/>
           <a:p>
-            <a:fld id="{45662148-9E83-4F39-90F3-584B1BB79227}" type="datetimeFigureOut">
+            <a:fld id="{A600E7C7-81E9-4A2B-BB93-51409A6FBE10}" type="datetimeFigureOut">
               <a:rPr lang="zh-CN" altLang="en-US" smtClean="0"/>
               <a:t>2024/3/10</a:t>
             </a:fld>
@@ -2674,7 +2674,7 @@
           <p:cNvPr id="6" name="页脚占位符 5">
             <a:extLst>
               <a:ext uri="{FF2B5EF4-FFF2-40B4-BE49-F238E27FC236}">
-                <a16:creationId xmlns:a16="http://schemas.microsoft.com/office/drawing/2014/main" id="{2CBF255C-0F16-E2A3-E723-560CA8CC1948}"/>
+                <a16:creationId xmlns:a16="http://schemas.microsoft.com/office/drawing/2014/main" id="{B3E6DFD5-BB22-4CB1-40D1-2B0394D4897F}"/>
               </a:ext>
             </a:extLst>
           </p:cNvPr>
@@ -2699,7 +2699,7 @@
           <p:cNvPr id="7" name="灯片编号占位符 6">
             <a:extLst>
               <a:ext uri="{FF2B5EF4-FFF2-40B4-BE49-F238E27FC236}">
-                <a16:creationId xmlns:a16="http://schemas.microsoft.com/office/drawing/2014/main" id="{718C571D-3926-28CB-91D7-18EBDCDB5B44}"/>
+                <a16:creationId xmlns:a16="http://schemas.microsoft.com/office/drawing/2014/main" id="{D78E8693-758F-3F67-08AF-7DAB4C0CC677}"/>
               </a:ext>
             </a:extLst>
           </p:cNvPr>
@@ -2715,7 +2715,7 @@
           <a:bodyPr/>
           <a:lstStyle/>
           <a:p>
-            <a:fld id="{ECB53110-726F-43B8-9138-A5F153B6E7FC}" type="slidenum">
+            <a:fld id="{F441F50F-71D3-4356-ACD9-C5F65136A4E9}" type="slidenum">
               <a:rPr lang="zh-CN" altLang="en-US" smtClean="0"/>
               <a:t>‹#›</a:t>
             </a:fld>
@@ -2726,7 +2726,7 @@
     </p:spTree>
     <p:extLst>
       <p:ext uri="{BB962C8B-B14F-4D97-AF65-F5344CB8AC3E}">
-        <p14:creationId xmlns:p14="http://schemas.microsoft.com/office/powerpoint/2010/main" val="32931009"/>
+        <p14:creationId xmlns:p14="http://schemas.microsoft.com/office/powerpoint/2010/main" val="3694532060"/>
       </p:ext>
     </p:extLst>
   </p:cSld>
@@ -2763,7 +2763,7 @@
           <p:cNvPr id="2" name="标题占位符 1">
             <a:extLst>
               <a:ext uri="{FF2B5EF4-FFF2-40B4-BE49-F238E27FC236}">
-                <a16:creationId xmlns:a16="http://schemas.microsoft.com/office/drawing/2014/main" id="{BD3B2D2E-1A78-D470-D9AC-79BFCCC08FC7}"/>
+                <a16:creationId xmlns:a16="http://schemas.microsoft.com/office/drawing/2014/main" id="{564F7673-8E4C-ECED-303E-94D3B5C0D311}"/>
               </a:ext>
             </a:extLst>
           </p:cNvPr>
@@ -2801,7 +2801,7 @@
           <p:cNvPr id="3" name="文本占位符 2">
             <a:extLst>
               <a:ext uri="{FF2B5EF4-FFF2-40B4-BE49-F238E27FC236}">
-                <a16:creationId xmlns:a16="http://schemas.microsoft.com/office/drawing/2014/main" id="{A7CA4D90-A7EC-072E-9EC7-326F07437189}"/>
+                <a16:creationId xmlns:a16="http://schemas.microsoft.com/office/drawing/2014/main" id="{E6BA594C-B2C4-CDF1-0CFB-80EEE80DFEBD}"/>
               </a:ext>
             </a:extLst>
           </p:cNvPr>
@@ -2868,7 +2868,7 @@
           <p:cNvPr id="4" name="日期占位符 3">
             <a:extLst>
               <a:ext uri="{FF2B5EF4-FFF2-40B4-BE49-F238E27FC236}">
-                <a16:creationId xmlns:a16="http://schemas.microsoft.com/office/drawing/2014/main" id="{69DF9DD6-35B3-CADC-9F9B-1A7755E697D0}"/>
+                <a16:creationId xmlns:a16="http://schemas.microsoft.com/office/drawing/2014/main" id="{990B8847-99C1-01A5-A6DF-419A23BA0145}"/>
               </a:ext>
             </a:extLst>
           </p:cNvPr>
@@ -2902,7 +2902,7 @@
             </a:lvl1pPr>
           </a:lstStyle>
           <a:p>
-            <a:fld id="{45662148-9E83-4F39-90F3-584B1BB79227}" type="datetimeFigureOut">
+            <a:fld id="{A600E7C7-81E9-4A2B-BB93-51409A6FBE10}" type="datetimeFigureOut">
               <a:rPr lang="zh-CN" altLang="en-US" smtClean="0"/>
               <a:t>2024/3/10</a:t>
             </a:fld>
@@ -2915,7 +2915,7 @@
           <p:cNvPr id="5" name="页脚占位符 4">
             <a:extLst>
               <a:ext uri="{FF2B5EF4-FFF2-40B4-BE49-F238E27FC236}">
-                <a16:creationId xmlns:a16="http://schemas.microsoft.com/office/drawing/2014/main" id="{0779115F-FF61-0C9A-9D16-559CD2558C87}"/>
+                <a16:creationId xmlns:a16="http://schemas.microsoft.com/office/drawing/2014/main" id="{EA8F9684-CADE-3845-C7BE-1F64C8E4BE29}"/>
               </a:ext>
             </a:extLst>
           </p:cNvPr>
@@ -2958,7 +2958,7 @@
           <p:cNvPr id="6" name="灯片编号占位符 5">
             <a:extLst>
               <a:ext uri="{FF2B5EF4-FFF2-40B4-BE49-F238E27FC236}">
-                <a16:creationId xmlns:a16="http://schemas.microsoft.com/office/drawing/2014/main" id="{DA7C34D8-EDEB-87FC-6CD6-1F78C00EF3DC}"/>
+                <a16:creationId xmlns:a16="http://schemas.microsoft.com/office/drawing/2014/main" id="{62D121B6-DF38-2BCD-E719-6DB1B7C72454}"/>
               </a:ext>
             </a:extLst>
           </p:cNvPr>
@@ -2992,7 +2992,7 @@
             </a:lvl1pPr>
           </a:lstStyle>
           <a:p>
-            <a:fld id="{ECB53110-726F-43B8-9138-A5F153B6E7FC}" type="slidenum">
+            <a:fld id="{F441F50F-71D3-4356-ACD9-C5F65136A4E9}" type="slidenum">
               <a:rPr lang="zh-CN" altLang="en-US" smtClean="0"/>
               <a:t>‹#›</a:t>
             </a:fld>
@@ -3003,7 +3003,7 @@
     </p:spTree>
     <p:extLst>
       <p:ext uri="{BB962C8B-B14F-4D97-AF65-F5344CB8AC3E}">
-        <p14:creationId xmlns:p14="http://schemas.microsoft.com/office/powerpoint/2010/main" val="3992085969"/>
+        <p14:creationId xmlns:p14="http://schemas.microsoft.com/office/powerpoint/2010/main" val="1111727792"/>
       </p:ext>
     </p:extLst>
   </p:cSld>
@@ -3323,7 +3323,7 @@
       </p:grpSpPr>
       <p:pic>
         <p:nvPicPr>
-          <p:cNvPr id="1463298" name="Picture 2" descr="1428"/>
+          <p:cNvPr id="1464322" name="Picture 2" descr="1429"/>
           <p:cNvPicPr>
             <a:picLocks noChangeAspect="1" noChangeArrowheads="1"/>
           </p:cNvPicPr>
@@ -3344,8 +3344,8 @@
         </p:blipFill>
         <p:spPr bwMode="auto">
           <a:xfrm>
-            <a:off x="1524000" y="1"/>
-            <a:ext cx="9144000" cy="4437063"/>
+            <a:off x="1524000" y="0"/>
+            <a:ext cx="9144000" cy="6858000"/>
           </a:xfrm>
           <a:prstGeom prst="rect">
             <a:avLst/>
@@ -3375,11 +3375,158 @@
           </a:extLst>
         </p:spPr>
       </p:pic>
+      <p:pic>
+        <p:nvPicPr>
+          <p:cNvPr id="1465347" name="Picture 3" descr="1429-2"/>
+          <p:cNvPicPr>
+            <a:picLocks noChangeAspect="1" noChangeArrowheads="1"/>
+          </p:cNvPicPr>
+          <p:nvPr/>
+        </p:nvPicPr>
+        <p:blipFill>
+          <a:blip r:embed="rId3">
+            <a:extLst>
+              <a:ext uri="{28A0092B-C50C-407E-A947-70E740481C1C}">
+                <a14:useLocalDpi xmlns:a14="http://schemas.microsoft.com/office/drawing/2010/main" val="0"/>
+              </a:ext>
+            </a:extLst>
+          </a:blip>
+          <a:srcRect/>
+          <a:stretch>
+            <a:fillRect/>
+          </a:stretch>
+        </p:blipFill>
+        <p:spPr bwMode="auto">
+          <a:xfrm>
+            <a:off x="1524000" y="0"/>
+            <a:ext cx="9144000" cy="6858000"/>
+          </a:xfrm>
+          <a:prstGeom prst="rect">
+            <a:avLst/>
+          </a:prstGeom>
+          <a:noFill/>
+          <a:ln>
+            <a:noFill/>
+          </a:ln>
+          <a:effectLst/>
+          <a:extLst>
+            <a:ext uri="{909E8E84-426E-40DD-AFC4-6F175D3DCCD1}">
+              <a14:hiddenFill xmlns:a14="http://schemas.microsoft.com/office/drawing/2010/main">
+                <a:solidFill>
+                  <a:srgbClr val="FFFFFF"/>
+                </a:solidFill>
+              </a14:hiddenFill>
+            </a:ext>
+            <a:ext uri="{91240B29-F687-4F45-9708-019B960494DF}">
+              <a14:hiddenLine xmlns:a14="http://schemas.microsoft.com/office/drawing/2010/main" w="9525">
+                <a:solidFill>
+                  <a:srgbClr val="000000"/>
+                </a:solidFill>
+                <a:miter lim="800000"/>
+                <a:headEnd/>
+                <a:tailEnd/>
+              </a14:hiddenLine>
+            </a:ext>
+            <a:ext uri="{AF507438-7753-43E0-B8FC-AC1667EBCBE1}">
+              <a14:hiddenEffects xmlns:a14="http://schemas.microsoft.com/office/drawing/2010/main">
+                <a:effectLst>
+                  <a:outerShdw dist="35921" dir="2700000" algn="ctr" rotWithShape="0">
+                    <a:srgbClr val="808080"/>
+                  </a:outerShdw>
+                </a:effectLst>
+              </a14:hiddenEffects>
+            </a:ext>
+          </a:extLst>
+        </p:spPr>
+      </p:pic>
     </p:spTree>
   </p:cSld>
   <p:clrMapOvr>
     <a:masterClrMapping/>
   </p:clrMapOvr>
+  <p:timing>
+    <p:tnLst>
+      <p:par>
+        <p:cTn id="1" dur="indefinite" restart="never" nodeType="tmRoot">
+          <p:childTnLst>
+            <p:seq concurrent="1" nextAc="seek">
+              <p:cTn id="2" dur="indefinite" nodeType="mainSeq">
+                <p:childTnLst>
+                  <p:par>
+                    <p:cTn id="3" fill="hold" nodeType="clickPar">
+                      <p:stCondLst>
+                        <p:cond delay="indefinite"/>
+                      </p:stCondLst>
+                      <p:childTnLst>
+                        <p:par>
+                          <p:cTn id="4" fill="hold" nodeType="withGroup">
+                            <p:stCondLst>
+                              <p:cond delay="0"/>
+                            </p:stCondLst>
+                            <p:childTnLst>
+                              <p:par>
+                                <p:cTn id="5" presetID="10" presetClass="entr" presetSubtype="0" fill="hold" nodeType="clickEffect">
+                                  <p:stCondLst>
+                                    <p:cond delay="0"/>
+                                  </p:stCondLst>
+                                  <p:childTnLst>
+                                    <p:set>
+                                      <p:cBhvr>
+                                        <p:cTn id="6" dur="1" fill="hold">
+                                          <p:stCondLst>
+                                            <p:cond delay="0"/>
+                                          </p:stCondLst>
+                                        </p:cTn>
+                                        <p:tgtEl>
+                                          <p:spTgt spid="1465347"/>
+                                        </p:tgtEl>
+                                        <p:attrNameLst>
+                                          <p:attrName>style.visibility</p:attrName>
+                                        </p:attrNameLst>
+                                      </p:cBhvr>
+                                      <p:to>
+                                        <p:strVal val="visible"/>
+                                      </p:to>
+                                    </p:set>
+                                    <p:animEffect transition="in" filter="fade">
+                                      <p:cBhvr>
+                                        <p:cTn id="7" dur="500"/>
+                                        <p:tgtEl>
+                                          <p:spTgt spid="1465347"/>
+                                        </p:tgtEl>
+                                      </p:cBhvr>
+                                    </p:animEffect>
+                                  </p:childTnLst>
+                                </p:cTn>
+                              </p:par>
+                            </p:childTnLst>
+                          </p:cTn>
+                        </p:par>
+                      </p:childTnLst>
+                    </p:cTn>
+                  </p:par>
+                </p:childTnLst>
+              </p:cTn>
+              <p:prevCondLst>
+                <p:cond evt="onPrev" delay="0">
+                  <p:tgtEl>
+                    <p:sldTgt/>
+                  </p:tgtEl>
+                </p:cond>
+              </p:prevCondLst>
+              <p:nextCondLst>
+                <p:cond evt="onNext" delay="0">
+                  <p:tgtEl>
+                    <p:sldTgt/>
+                  </p:tgtEl>
+                </p:cond>
+              </p:nextCondLst>
+            </p:seq>
+          </p:childTnLst>
+        </p:cTn>
+      </p:par>
+    </p:tnLst>
+  </p:timing>
 </p:sld>
 </file>
 
